--- a/ORM.pptx
+++ b/ORM.pptx
@@ -153,7 +153,7 @@
   </p:defaultTextStyle>
   <p:extLst>
     <p:ext uri="{EFAFB233-063F-42B5-8137-9DF3F51BA10A}">
-      <p15:sldGuideLst xmlns="" xmlns:p15="http://schemas.microsoft.com/office/powerpoint/2012/main">
+      <p15:sldGuideLst xmlns:p15="http://schemas.microsoft.com/office/powerpoint/2012/main" xmlns="">
         <p15:guide id="1" orient="horz" pos="2160">
           <p15:clr>
             <a:srgbClr val="A4A3A4"/>
@@ -167,7 +167,7 @@
       </p15:sldGuideLst>
     </p:ext>
     <p:ext uri="{2D200454-40CA-4A62-9FC3-DE9A4176ACB9}">
-      <p15:notesGuideLst xmlns="" xmlns:p15="http://schemas.microsoft.com/office/powerpoint/2012/main">
+      <p15:notesGuideLst xmlns:p15="http://schemas.microsoft.com/office/powerpoint/2012/main" xmlns="">
         <p15:guide id="1" orient="horz" pos="2936" userDrawn="1">
           <p15:clr>
             <a:srgbClr val="A4A3A4"/>
@@ -273,7 +273,7 @@
             <a:fld id="{2A25F2E0-F15D-4F33-8C46-29A512589638}" type="datetimeFigureOut">
               <a:rPr lang="de-DE" smtClean="0"/>
               <a:pPr/>
-              <a:t>23/11/15</a:t>
+              <a:t>14/12/15</a:t>
             </a:fld>
             <a:endParaRPr lang="de-DE"/>
           </a:p>
@@ -440,7 +440,7 @@
             <a:fld id="{FDE2B2C3-D264-4D63-A26E-C3997EBF9387}" type="datetimeFigureOut">
               <a:rPr lang="de-DE" smtClean="0"/>
               <a:pPr/>
-              <a:t>23/11/15</a:t>
+              <a:t>14/12/15</a:t>
             </a:fld>
             <a:endParaRPr lang="de-DE"/>
           </a:p>
@@ -709,6 +709,400 @@
     </a:lvl9pPr>
   </p:notesStyle>
 </p:notesMaster>
+</file>
+
+<file path=ppt/notesSlides/notesSlide1.xml><?xml version="1.0" encoding="utf-8"?>
+<p:notes xmlns:a="http://schemas.openxmlformats.org/drawingml/2006/main" xmlns:r="http://schemas.openxmlformats.org/officeDocument/2006/relationships" xmlns:p="http://schemas.openxmlformats.org/presentationml/2006/main">
+  <p:cSld>
+    <p:spTree>
+      <p:nvGrpSpPr>
+        <p:cNvPr id="1" name=""/>
+        <p:cNvGrpSpPr/>
+        <p:nvPr/>
+      </p:nvGrpSpPr>
+      <p:grpSpPr>
+        <a:xfrm>
+          <a:off x="0" y="0"/>
+          <a:ext cx="0" cy="0"/>
+          <a:chOff x="0" y="0"/>
+          <a:chExt cx="0" cy="0"/>
+        </a:xfrm>
+      </p:grpSpPr>
+      <p:sp>
+        <p:nvSpPr>
+          <p:cNvPr id="2" name="Folienbildplatzhalter 1"/>
+          <p:cNvSpPr>
+            <a:spLocks noGrp="1" noRot="1" noChangeAspect="1"/>
+          </p:cNvSpPr>
+          <p:nvPr>
+            <p:ph type="sldImg"/>
+          </p:nvPr>
+        </p:nvSpPr>
+        <p:spPr/>
+      </p:sp>
+      <p:sp>
+        <p:nvSpPr>
+          <p:cNvPr id="3" name="Notizenplatzhalter 2"/>
+          <p:cNvSpPr>
+            <a:spLocks noGrp="1"/>
+          </p:cNvSpPr>
+          <p:nvPr>
+            <p:ph type="body" idx="1"/>
+          </p:nvPr>
+        </p:nvSpPr>
+        <p:spPr/>
+        <p:txBody>
+          <a:bodyPr/>
+          <a:lstStyle/>
+          <a:p>
+            <a:r>
+              <a:rPr lang="de-DE" dirty="0" smtClean="0"/>
+              <a:t>Firefox -&gt; Lesezeichenverwaltung</a:t>
+            </a:r>
+            <a:endParaRPr lang="de-DE" dirty="0"/>
+          </a:p>
+        </p:txBody>
+      </p:sp>
+      <p:sp>
+        <p:nvSpPr>
+          <p:cNvPr id="4" name="Foliennummernplatzhalter 3"/>
+          <p:cNvSpPr>
+            <a:spLocks noGrp="1"/>
+          </p:cNvSpPr>
+          <p:nvPr>
+            <p:ph type="sldNum" sz="quarter" idx="10"/>
+          </p:nvPr>
+        </p:nvSpPr>
+        <p:spPr/>
+        <p:txBody>
+          <a:bodyPr/>
+          <a:lstStyle/>
+          <a:p>
+            <a:fld id="{890D2026-B054-4C01-8473-47B83C1FFE3E}" type="slidenum">
+              <a:rPr lang="de-DE" smtClean="0"/>
+              <a:pPr/>
+              <a:t>25</a:t>
+            </a:fld>
+            <a:endParaRPr lang="de-DE"/>
+          </a:p>
+        </p:txBody>
+      </p:sp>
+    </p:spTree>
+    <p:extLst>
+      <p:ext uri="{BB962C8B-B14F-4D97-AF65-F5344CB8AC3E}">
+        <p14:creationId xmlns:p14="http://schemas.microsoft.com/office/powerpoint/2010/main" val="936627055"/>
+      </p:ext>
+    </p:extLst>
+  </p:cSld>
+  <p:clrMapOvr>
+    <a:masterClrMapping/>
+  </p:clrMapOvr>
+</p:notes>
+</file>
+
+<file path=ppt/notesSlides/notesSlide2.xml><?xml version="1.0" encoding="utf-8"?>
+<p:notes xmlns:a="http://schemas.openxmlformats.org/drawingml/2006/main" xmlns:r="http://schemas.openxmlformats.org/officeDocument/2006/relationships" xmlns:p="http://schemas.openxmlformats.org/presentationml/2006/main">
+  <p:cSld>
+    <p:spTree>
+      <p:nvGrpSpPr>
+        <p:cNvPr id="1" name=""/>
+        <p:cNvGrpSpPr/>
+        <p:nvPr/>
+      </p:nvGrpSpPr>
+      <p:grpSpPr>
+        <a:xfrm>
+          <a:off x="0" y="0"/>
+          <a:ext cx="0" cy="0"/>
+          <a:chOff x="0" y="0"/>
+          <a:chExt cx="0" cy="0"/>
+        </a:xfrm>
+      </p:grpSpPr>
+      <p:sp>
+        <p:nvSpPr>
+          <p:cNvPr id="2" name="Folienbildplatzhalter 1"/>
+          <p:cNvSpPr>
+            <a:spLocks noGrp="1" noRot="1" noChangeAspect="1"/>
+          </p:cNvSpPr>
+          <p:nvPr>
+            <p:ph type="sldImg"/>
+          </p:nvPr>
+        </p:nvSpPr>
+        <p:spPr/>
+      </p:sp>
+      <p:sp>
+        <p:nvSpPr>
+          <p:cNvPr id="3" name="Notizenplatzhalter 2"/>
+          <p:cNvSpPr>
+            <a:spLocks noGrp="1"/>
+          </p:cNvSpPr>
+          <p:nvPr>
+            <p:ph type="body" idx="1"/>
+          </p:nvPr>
+        </p:nvSpPr>
+        <p:spPr/>
+        <p:txBody>
+          <a:bodyPr/>
+          <a:lstStyle/>
+          <a:p>
+            <a:r>
+              <a:rPr lang="de-DE" dirty="0" smtClean="0"/>
+              <a:t>SQL Datenbanken verhalten sich weniger wie</a:t>
+            </a:r>
+            <a:r>
+              <a:rPr lang="de-DE" baseline="0" dirty="0" smtClean="0"/>
+              <a:t> Listen von Objekten, umso mehr es um Größe und Performance geht; Listen von Objekten verhalten sich weniger als Tabellen und Zeilen, ja mehr es um Abstraktion geht.</a:t>
+            </a:r>
+          </a:p>
+          <a:p>
+            <a:r>
+              <a:rPr lang="de-DE" baseline="0" dirty="0" smtClean="0"/>
+              <a:t>-&gt; </a:t>
+            </a:r>
+            <a:r>
+              <a:rPr lang="de-DE" baseline="0" dirty="0" err="1" smtClean="0"/>
+              <a:t>SQLAlchemy</a:t>
+            </a:r>
+            <a:r>
+              <a:rPr lang="de-DE" baseline="0" dirty="0" smtClean="0"/>
+              <a:t> zielt auf beide Prinzipien hin.</a:t>
+            </a:r>
+            <a:endParaRPr lang="de-DE" dirty="0"/>
+          </a:p>
+        </p:txBody>
+      </p:sp>
+      <p:sp>
+        <p:nvSpPr>
+          <p:cNvPr id="4" name="Foliennummernplatzhalter 3"/>
+          <p:cNvSpPr>
+            <a:spLocks noGrp="1"/>
+          </p:cNvSpPr>
+          <p:nvPr>
+            <p:ph type="sldNum" sz="quarter" idx="10"/>
+          </p:nvPr>
+        </p:nvSpPr>
+        <p:spPr/>
+        <p:txBody>
+          <a:bodyPr/>
+          <a:lstStyle/>
+          <a:p>
+            <a:fld id="{890D2026-B054-4C01-8473-47B83C1FFE3E}" type="slidenum">
+              <a:rPr lang="de-DE" smtClean="0"/>
+              <a:pPr/>
+              <a:t>26</a:t>
+            </a:fld>
+            <a:endParaRPr lang="de-DE"/>
+          </a:p>
+        </p:txBody>
+      </p:sp>
+    </p:spTree>
+    <p:extLst>
+      <p:ext uri="{BB962C8B-B14F-4D97-AF65-F5344CB8AC3E}">
+        <p14:creationId xmlns:p14="http://schemas.microsoft.com/office/powerpoint/2010/main" val="2605254399"/>
+      </p:ext>
+    </p:extLst>
+  </p:cSld>
+  <p:clrMapOvr>
+    <a:masterClrMapping/>
+  </p:clrMapOvr>
+</p:notes>
+</file>
+
+<file path=ppt/notesSlides/notesSlide3.xml><?xml version="1.0" encoding="utf-8"?>
+<p:notes xmlns:a="http://schemas.openxmlformats.org/drawingml/2006/main" xmlns:r="http://schemas.openxmlformats.org/officeDocument/2006/relationships" xmlns:p="http://schemas.openxmlformats.org/presentationml/2006/main">
+  <p:cSld>
+    <p:spTree>
+      <p:nvGrpSpPr>
+        <p:cNvPr id="1" name=""/>
+        <p:cNvGrpSpPr/>
+        <p:nvPr/>
+      </p:nvGrpSpPr>
+      <p:grpSpPr>
+        <a:xfrm>
+          <a:off x="0" y="0"/>
+          <a:ext cx="0" cy="0"/>
+          <a:chOff x="0" y="0"/>
+          <a:chExt cx="0" cy="0"/>
+        </a:xfrm>
+      </p:grpSpPr>
+      <p:sp>
+        <p:nvSpPr>
+          <p:cNvPr id="2" name="Folienbildplatzhalter 1"/>
+          <p:cNvSpPr>
+            <a:spLocks noGrp="1" noRot="1" noChangeAspect="1"/>
+          </p:cNvSpPr>
+          <p:nvPr>
+            <p:ph type="sldImg"/>
+          </p:nvPr>
+        </p:nvSpPr>
+        <p:spPr/>
+      </p:sp>
+      <p:sp>
+        <p:nvSpPr>
+          <p:cNvPr id="3" name="Notizenplatzhalter 2"/>
+          <p:cNvSpPr>
+            <a:spLocks noGrp="1"/>
+          </p:cNvSpPr>
+          <p:nvPr>
+            <p:ph type="body" idx="1"/>
+          </p:nvPr>
+        </p:nvSpPr>
+        <p:spPr/>
+        <p:txBody>
+          <a:bodyPr/>
+          <a:lstStyle/>
+          <a:p>
+            <a:r>
+              <a:rPr lang="de-DE" dirty="0" smtClean="0"/>
+              <a:t>SAP-Hana</a:t>
+            </a:r>
+            <a:endParaRPr lang="de-DE" dirty="0"/>
+          </a:p>
+        </p:txBody>
+      </p:sp>
+      <p:sp>
+        <p:nvSpPr>
+          <p:cNvPr id="4" name="Foliennummernplatzhalter 3"/>
+          <p:cNvSpPr>
+            <a:spLocks noGrp="1"/>
+          </p:cNvSpPr>
+          <p:nvPr>
+            <p:ph type="sldNum" sz="quarter" idx="10"/>
+          </p:nvPr>
+        </p:nvSpPr>
+        <p:spPr/>
+        <p:txBody>
+          <a:bodyPr/>
+          <a:lstStyle/>
+          <a:p>
+            <a:fld id="{890D2026-B054-4C01-8473-47B83C1FFE3E}" type="slidenum">
+              <a:rPr lang="de-DE" smtClean="0"/>
+              <a:pPr/>
+              <a:t>27</a:t>
+            </a:fld>
+            <a:endParaRPr lang="de-DE"/>
+          </a:p>
+        </p:txBody>
+      </p:sp>
+    </p:spTree>
+    <p:extLst>
+      <p:ext uri="{BB962C8B-B14F-4D97-AF65-F5344CB8AC3E}">
+        <p14:creationId xmlns:p14="http://schemas.microsoft.com/office/powerpoint/2010/main" val="1323275172"/>
+      </p:ext>
+    </p:extLst>
+  </p:cSld>
+  <p:clrMapOvr>
+    <a:masterClrMapping/>
+  </p:clrMapOvr>
+</p:notes>
+</file>
+
+<file path=ppt/notesSlides/notesSlide4.xml><?xml version="1.0" encoding="utf-8"?>
+<p:notes xmlns:a="http://schemas.openxmlformats.org/drawingml/2006/main" xmlns:r="http://schemas.openxmlformats.org/officeDocument/2006/relationships" xmlns:p="http://schemas.openxmlformats.org/presentationml/2006/main">
+  <p:cSld>
+    <p:spTree>
+      <p:nvGrpSpPr>
+        <p:cNvPr id="1" name=""/>
+        <p:cNvGrpSpPr/>
+        <p:nvPr/>
+      </p:nvGrpSpPr>
+      <p:grpSpPr>
+        <a:xfrm>
+          <a:off x="0" y="0"/>
+          <a:ext cx="0" cy="0"/>
+          <a:chOff x="0" y="0"/>
+          <a:chExt cx="0" cy="0"/>
+        </a:xfrm>
+      </p:grpSpPr>
+      <p:sp>
+        <p:nvSpPr>
+          <p:cNvPr id="2" name="Folienbildplatzhalter 1"/>
+          <p:cNvSpPr>
+            <a:spLocks noGrp="1" noRot="1" noChangeAspect="1"/>
+          </p:cNvSpPr>
+          <p:nvPr>
+            <p:ph type="sldImg"/>
+          </p:nvPr>
+        </p:nvSpPr>
+        <p:spPr/>
+      </p:sp>
+      <p:sp>
+        <p:nvSpPr>
+          <p:cNvPr id="3" name="Notizenplatzhalter 2"/>
+          <p:cNvSpPr>
+            <a:spLocks noGrp="1"/>
+          </p:cNvSpPr>
+          <p:nvPr>
+            <p:ph type="body" idx="1"/>
+          </p:nvPr>
+        </p:nvSpPr>
+        <p:spPr/>
+        <p:txBody>
+          <a:bodyPr/>
+          <a:lstStyle/>
+          <a:p>
+            <a:r>
+              <a:rPr lang="de-DE" dirty="0" err="1" smtClean="0"/>
+              <a:t>Decimal</a:t>
+            </a:r>
+            <a:r>
+              <a:rPr lang="de-DE" dirty="0" smtClean="0"/>
+              <a:t> -&gt; NUMERIC (</a:t>
+            </a:r>
+            <a:r>
+              <a:rPr lang="de-DE" dirty="0" err="1" smtClean="0"/>
+              <a:t>PostgreSQL</a:t>
+            </a:r>
+            <a:r>
+              <a:rPr lang="de-DE" dirty="0" smtClean="0"/>
+              <a:t>)</a:t>
+            </a:r>
+            <a:r>
+              <a:rPr lang="de-DE" baseline="0" dirty="0" smtClean="0"/>
+              <a:t>. DECIMAL (</a:t>
+            </a:r>
+            <a:r>
+              <a:rPr lang="de-DE" baseline="0" smtClean="0"/>
+              <a:t>SQL Server)</a:t>
+            </a:r>
+            <a:endParaRPr lang="de-DE" dirty="0"/>
+          </a:p>
+        </p:txBody>
+      </p:sp>
+      <p:sp>
+        <p:nvSpPr>
+          <p:cNvPr id="4" name="Foliennummernplatzhalter 3"/>
+          <p:cNvSpPr>
+            <a:spLocks noGrp="1"/>
+          </p:cNvSpPr>
+          <p:nvPr>
+            <p:ph type="sldNum" sz="quarter" idx="10"/>
+          </p:nvPr>
+        </p:nvSpPr>
+        <p:spPr/>
+        <p:txBody>
+          <a:bodyPr/>
+          <a:lstStyle/>
+          <a:p>
+            <a:fld id="{890D2026-B054-4C01-8473-47B83C1FFE3E}" type="slidenum">
+              <a:rPr lang="de-DE" smtClean="0"/>
+              <a:pPr/>
+              <a:t>29</a:t>
+            </a:fld>
+            <a:endParaRPr lang="de-DE"/>
+          </a:p>
+        </p:txBody>
+      </p:sp>
+    </p:spTree>
+    <p:extLst>
+      <p:ext uri="{BB962C8B-B14F-4D97-AF65-F5344CB8AC3E}">
+        <p14:creationId xmlns:p14="http://schemas.microsoft.com/office/powerpoint/2010/main" val="3279944424"/>
+      </p:ext>
+    </p:extLst>
+  </p:cSld>
+  <p:clrMapOvr>
+    <a:masterClrMapping/>
+  </p:clrMapOvr>
+</p:notes>
 </file>
 
 <file path=ppt/slideLayouts/slideLayout1.xml><?xml version="1.0" encoding="utf-8"?>
@@ -9198,7 +9592,7 @@
           <p:nvPr/>
         </p:nvPicPr>
         <p:blipFill>
-          <a:blip r:embed="rId2">
+          <a:blip r:embed="rId3">
             <a:extLst>
               <a:ext uri="{28A0092B-C50C-407E-A947-70E740481C1C}">
                 <a14:useLocalDpi xmlns:a14="http://schemas.microsoft.com/office/drawing/2010/main" val="0"/>
@@ -9228,7 +9622,7 @@
           <p:nvPr/>
         </p:nvPicPr>
         <p:blipFill>
-          <a:blip r:embed="rId3">
+          <a:blip r:embed="rId4">
             <a:extLst>
               <a:ext uri="{28A0092B-C50C-407E-A947-70E740481C1C}">
                 <a14:useLocalDpi xmlns:a14="http://schemas.microsoft.com/office/drawing/2010/main" val="0"/>
@@ -9258,7 +9652,7 @@
           <p:nvPr/>
         </p:nvPicPr>
         <p:blipFill>
-          <a:blip r:embed="rId4">
+          <a:blip r:embed="rId5">
             <a:extLst>
               <a:ext uri="{28A0092B-C50C-407E-A947-70E740481C1C}">
                 <a14:useLocalDpi xmlns:a14="http://schemas.microsoft.com/office/drawing/2010/main" val="0"/>
@@ -9288,7 +9682,7 @@
           <p:nvPr/>
         </p:nvPicPr>
         <p:blipFill>
-          <a:blip r:embed="rId5" cstate="print">
+          <a:blip r:embed="rId6" cstate="print">
             <a:extLst>
               <a:ext uri="{28A0092B-C50C-407E-A947-70E740481C1C}">
                 <a14:useLocalDpi xmlns:a14="http://schemas.microsoft.com/office/drawing/2010/main" val="0"/>
@@ -9787,7 +10181,7 @@
           <p:nvPr/>
         </p:nvPicPr>
         <p:blipFill>
-          <a:blip r:embed="rId2">
+          <a:blip r:embed="rId3">
             <a:extLst>
               <a:ext uri="{28A0092B-C50C-407E-A947-70E740481C1C}">
                 <a14:useLocalDpi xmlns:a14="http://schemas.microsoft.com/office/drawing/2010/main" val="0"/>
@@ -9817,7 +10211,7 @@
           <p:nvPr/>
         </p:nvPicPr>
         <p:blipFill>
-          <a:blip r:embed="rId3">
+          <a:blip r:embed="rId4">
             <a:extLst>
               <a:ext uri="{28A0092B-C50C-407E-A947-70E740481C1C}">
                 <a14:useLocalDpi xmlns:a14="http://schemas.microsoft.com/office/drawing/2010/main" val="0"/>
@@ -9847,7 +10241,7 @@
           <p:nvPr/>
         </p:nvPicPr>
         <p:blipFill>
-          <a:blip r:embed="rId4" cstate="print">
+          <a:blip r:embed="rId5" cstate="print">
             <a:extLst>
               <a:ext uri="{28A0092B-C50C-407E-A947-70E740481C1C}">
                 <a14:useLocalDpi xmlns:a14="http://schemas.microsoft.com/office/drawing/2010/main" val="0"/>
@@ -9877,7 +10271,7 @@
           <p:nvPr/>
         </p:nvPicPr>
         <p:blipFill>
-          <a:blip r:embed="rId5">
+          <a:blip r:embed="rId6">
             <a:extLst>
               <a:ext uri="{28A0092B-C50C-407E-A947-70E740481C1C}">
                 <a14:useLocalDpi xmlns:a14="http://schemas.microsoft.com/office/drawing/2010/main" val="0"/>
@@ -9907,7 +10301,7 @@
           <p:nvPr/>
         </p:nvPicPr>
         <p:blipFill>
-          <a:blip r:embed="rId6">
+          <a:blip r:embed="rId7">
             <a:extLst>
               <a:ext uri="{28A0092B-C50C-407E-A947-70E740481C1C}">
                 <a14:useLocalDpi xmlns:a14="http://schemas.microsoft.com/office/drawing/2010/main" val="0"/>
@@ -9937,7 +10331,7 @@
           <p:nvPr/>
         </p:nvPicPr>
         <p:blipFill>
-          <a:blip r:embed="rId7">
+          <a:blip r:embed="rId8">
             <a:extLst>
               <a:ext uri="{28A0092B-C50C-407E-A947-70E740481C1C}">
                 <a14:useLocalDpi xmlns:a14="http://schemas.microsoft.com/office/drawing/2010/main" val="0"/>
@@ -10181,7 +10575,7 @@
           <p:nvPr/>
         </p:nvPicPr>
         <p:blipFill>
-          <a:blip r:embed="rId2">
+          <a:blip r:embed="rId3">
             <a:extLst>
               <a:ext uri="{28A0092B-C50C-407E-A947-70E740481C1C}">
                 <a14:useLocalDpi xmlns:a14="http://schemas.microsoft.com/office/drawing/2010/main" val="0"/>
@@ -10211,7 +10605,7 @@
           <p:nvPr/>
         </p:nvPicPr>
         <p:blipFill>
-          <a:blip r:embed="rId3">
+          <a:blip r:embed="rId4">
             <a:extLst>
               <a:ext uri="{28A0092B-C50C-407E-A947-70E740481C1C}">
                 <a14:useLocalDpi xmlns:a14="http://schemas.microsoft.com/office/drawing/2010/main" val="0"/>
@@ -14453,7 +14847,7 @@
   <a:extraClrSchemeLst/>
   <a:extLst>
     <a:ext uri="{05A4C25C-085E-4340-85A3-A5531E510DB2}">
-      <thm15:themeFamily xmlns="" xmlns:thm15="http://schemas.microsoft.com/office/thememl/2012/main" name="Vorlage_PPT_DBII_WS1516" id="{8889CFA3-511D-44BA-B8E4-6359DC5973FA}" vid="{3380A368-0C4C-426B-99C5-9B86D4C146E3}"/>
+      <thm15:themeFamily xmlns:thm15="http://schemas.microsoft.com/office/thememl/2012/main" xmlns="" name="Vorlage_PPT_DBII_WS1516" id="{8889CFA3-511D-44BA-B8E4-6359DC5973FA}" vid="{3380A368-0C4C-426B-99C5-9B86D4C146E3}"/>
     </a:ext>
   </a:extLst>
 </a:theme>
@@ -14760,7 +15154,7 @@
   <a:extraClrSchemeLst/>
   <a:extLst>
     <a:ext uri="{05A4C25C-085E-4340-85A3-A5531E510DB2}">
-      <thm15:themeFamily xmlns="" xmlns:thm15="http://schemas.microsoft.com/office/thememl/2012/main" name="Vorlage_PPT_DBII_WS1516" id="{8889CFA3-511D-44BA-B8E4-6359DC5973FA}" vid="{5EDD827A-5DD7-472A-A25C-12AF0E7D5EAB}"/>
+      <thm15:themeFamily xmlns:thm15="http://schemas.microsoft.com/office/thememl/2012/main" xmlns="" name="Vorlage_PPT_DBII_WS1516" id="{8889CFA3-511D-44BA-B8E4-6359DC5973FA}" vid="{5EDD827A-5DD7-472A-A25C-12AF0E7D5EAB}"/>
     </a:ext>
   </a:extLst>
 </a:theme>
@@ -15067,7 +15461,7 @@
   <a:extraClrSchemeLst/>
   <a:extLst>
     <a:ext uri="{05A4C25C-085E-4340-85A3-A5531E510DB2}">
-      <thm15:themeFamily xmlns="" xmlns:thm15="http://schemas.microsoft.com/office/thememl/2012/main" name="Vorlage_PPT_DBII_WS1516" id="{8889CFA3-511D-44BA-B8E4-6359DC5973FA}" vid="{1C8B2368-D9AF-4BD7-8875-62919156674C}"/>
+      <thm15:themeFamily xmlns:thm15="http://schemas.microsoft.com/office/thememl/2012/main" xmlns="" name="Vorlage_PPT_DBII_WS1516" id="{8889CFA3-511D-44BA-B8E4-6359DC5973FA}" vid="{1C8B2368-D9AF-4BD7-8875-62919156674C}"/>
     </a:ext>
   </a:extLst>
 </a:theme>

--- a/ORM.pptx
+++ b/ORM.pptx
@@ -30,11 +30,11 @@
     <p:sldId id="442" r:id="rId18"/>
     <p:sldId id="467" r:id="rId19"/>
     <p:sldId id="444" r:id="rId20"/>
-    <p:sldId id="483" r:id="rId21"/>
-    <p:sldId id="482" r:id="rId22"/>
-    <p:sldId id="481" r:id="rId23"/>
-    <p:sldId id="480" r:id="rId24"/>
-    <p:sldId id="468" r:id="rId25"/>
+    <p:sldId id="468" r:id="rId21"/>
+    <p:sldId id="483" r:id="rId22"/>
+    <p:sldId id="482" r:id="rId23"/>
+    <p:sldId id="481" r:id="rId24"/>
+    <p:sldId id="480" r:id="rId25"/>
     <p:sldId id="465" r:id="rId26"/>
     <p:sldId id="445" r:id="rId27"/>
     <p:sldId id="446" r:id="rId28"/>
@@ -153,7 +153,7 @@
   </p:defaultTextStyle>
   <p:extLst>
     <p:ext uri="{EFAFB233-063F-42B5-8137-9DF3F51BA10A}">
-      <p15:sldGuideLst xmlns:p15="http://schemas.microsoft.com/office/powerpoint/2012/main" xmlns="">
+      <p15:sldGuideLst xmlns="" xmlns:p15="http://schemas.microsoft.com/office/powerpoint/2012/main">
         <p15:guide id="1" orient="horz" pos="2160">
           <p15:clr>
             <a:srgbClr val="A4A3A4"/>
@@ -167,7 +167,7 @@
       </p15:sldGuideLst>
     </p:ext>
     <p:ext uri="{2D200454-40CA-4A62-9FC3-DE9A4176ACB9}">
-      <p15:notesGuideLst xmlns:p15="http://schemas.microsoft.com/office/powerpoint/2012/main" xmlns="">
+      <p15:notesGuideLst xmlns="" xmlns:p15="http://schemas.microsoft.com/office/powerpoint/2012/main">
         <p15:guide id="1" orient="horz" pos="2936" userDrawn="1">
           <p15:clr>
             <a:srgbClr val="A4A3A4"/>
@@ -273,7 +273,7 @@
             <a:fld id="{2A25F2E0-F15D-4F33-8C46-29A512589638}" type="datetimeFigureOut">
               <a:rPr lang="de-DE" smtClean="0"/>
               <a:pPr/>
-              <a:t>14/12/15</a:t>
+              <a:t>15/12/15</a:t>
             </a:fld>
             <a:endParaRPr lang="de-DE"/>
           </a:p>
@@ -440,7 +440,7 @@
             <a:fld id="{FDE2B2C3-D264-4D63-A26E-C3997EBF9387}" type="datetimeFigureOut">
               <a:rPr lang="de-DE" smtClean="0"/>
               <a:pPr/>
-              <a:t>14/12/15</a:t>
+              <a:t>15/12/15</a:t>
             </a:fld>
             <a:endParaRPr lang="de-DE"/>
           </a:p>
@@ -757,7 +757,15 @@
           <a:p>
             <a:r>
               <a:rPr lang="de-DE" dirty="0" smtClean="0"/>
-              <a:t>Firefox -&gt; Lesezeichenverwaltung</a:t>
+              <a:t>Sascha </a:t>
+            </a:r>
+            <a:r>
+              <a:rPr lang="de-DE" dirty="0" err="1" smtClean="0"/>
+              <a:t>Depold</a:t>
+            </a:r>
+            <a:r>
+              <a:rPr lang="de-DE" dirty="0" smtClean="0"/>
+              <a:t> / asynchron</a:t>
             </a:r>
             <a:endParaRPr lang="de-DE" dirty="0"/>
           </a:p>
@@ -781,7 +789,7 @@
             <a:fld id="{890D2026-B054-4C01-8473-47B83C1FFE3E}" type="slidenum">
               <a:rPr lang="de-DE" smtClean="0"/>
               <a:pPr/>
-              <a:t>25</a:t>
+              <a:t>14</a:t>
             </a:fld>
             <a:endParaRPr lang="de-DE"/>
           </a:p>
@@ -790,7 +798,7 @@
     </p:spTree>
     <p:extLst>
       <p:ext uri="{BB962C8B-B14F-4D97-AF65-F5344CB8AC3E}">
-        <p14:creationId xmlns:p14="http://schemas.microsoft.com/office/powerpoint/2010/main" val="936627055"/>
+        <p14:creationId xmlns:p14="http://schemas.microsoft.com/office/powerpoint/2010/main" val="3567864923"/>
       </p:ext>
     </p:extLst>
   </p:cSld>
@@ -846,25 +854,7 @@
           <a:p>
             <a:r>
               <a:rPr lang="de-DE" dirty="0" smtClean="0"/>
-              <a:t>SQL Datenbanken verhalten sich weniger wie</a:t>
-            </a:r>
-            <a:r>
-              <a:rPr lang="de-DE" baseline="0" dirty="0" smtClean="0"/>
-              <a:t> Listen von Objekten, umso mehr es um Größe und Performance geht; Listen von Objekten verhalten sich weniger als Tabellen und Zeilen, ja mehr es um Abstraktion geht.</a:t>
-            </a:r>
-          </a:p>
-          <a:p>
-            <a:r>
-              <a:rPr lang="de-DE" baseline="0" dirty="0" smtClean="0"/>
-              <a:t>-&gt; </a:t>
-            </a:r>
-            <a:r>
-              <a:rPr lang="de-DE" baseline="0" dirty="0" err="1" smtClean="0"/>
-              <a:t>SQLAlchemy</a:t>
-            </a:r>
-            <a:r>
-              <a:rPr lang="de-DE" baseline="0" dirty="0" smtClean="0"/>
-              <a:t> zielt auf beide Prinzipien hin.</a:t>
+              <a:t>Austausch DB ohne Code-Änderung</a:t>
             </a:r>
             <a:endParaRPr lang="de-DE" dirty="0"/>
           </a:p>
@@ -888,7 +878,7 @@
             <a:fld id="{890D2026-B054-4C01-8473-47B83C1FFE3E}" type="slidenum">
               <a:rPr lang="de-DE" smtClean="0"/>
               <a:pPr/>
-              <a:t>26</a:t>
+              <a:t>15</a:t>
             </a:fld>
             <a:endParaRPr lang="de-DE"/>
           </a:p>
@@ -897,7 +887,7 @@
     </p:spTree>
     <p:extLst>
       <p:ext uri="{BB962C8B-B14F-4D97-AF65-F5344CB8AC3E}">
-        <p14:creationId xmlns:p14="http://schemas.microsoft.com/office/powerpoint/2010/main" val="2605254399"/>
+        <p14:creationId xmlns:p14="http://schemas.microsoft.com/office/powerpoint/2010/main" val="1816679065"/>
       </p:ext>
     </p:extLst>
   </p:cSld>
@@ -953,6 +943,295 @@
           <a:p>
             <a:r>
               <a:rPr lang="de-DE" dirty="0" smtClean="0"/>
+              <a:t>2006 Michael Bayer -&gt;</a:t>
+            </a:r>
+            <a:r>
+              <a:rPr lang="de-DE" baseline="0" dirty="0" smtClean="0"/>
+              <a:t> Open Source</a:t>
+            </a:r>
+            <a:endParaRPr lang="de-DE" dirty="0"/>
+          </a:p>
+        </p:txBody>
+      </p:sp>
+      <p:sp>
+        <p:nvSpPr>
+          <p:cNvPr id="4" name="Foliennummernplatzhalter 3"/>
+          <p:cNvSpPr>
+            <a:spLocks noGrp="1"/>
+          </p:cNvSpPr>
+          <p:nvPr>
+            <p:ph type="sldNum" sz="quarter" idx="10"/>
+          </p:nvPr>
+        </p:nvSpPr>
+        <p:spPr/>
+        <p:txBody>
+          <a:bodyPr/>
+          <a:lstStyle/>
+          <a:p>
+            <a:fld id="{890D2026-B054-4C01-8473-47B83C1FFE3E}" type="slidenum">
+              <a:rPr lang="de-DE" smtClean="0"/>
+              <a:pPr/>
+              <a:t>24</a:t>
+            </a:fld>
+            <a:endParaRPr lang="de-DE"/>
+          </a:p>
+        </p:txBody>
+      </p:sp>
+    </p:spTree>
+    <p:extLst>
+      <p:ext uri="{BB962C8B-B14F-4D97-AF65-F5344CB8AC3E}">
+        <p14:creationId xmlns:p14="http://schemas.microsoft.com/office/powerpoint/2010/main" val="3076831059"/>
+      </p:ext>
+    </p:extLst>
+  </p:cSld>
+  <p:clrMapOvr>
+    <a:masterClrMapping/>
+  </p:clrMapOvr>
+</p:notes>
+</file>
+
+<file path=ppt/notesSlides/notesSlide4.xml><?xml version="1.0" encoding="utf-8"?>
+<p:notes xmlns:a="http://schemas.openxmlformats.org/drawingml/2006/main" xmlns:r="http://schemas.openxmlformats.org/officeDocument/2006/relationships" xmlns:p="http://schemas.openxmlformats.org/presentationml/2006/main">
+  <p:cSld>
+    <p:spTree>
+      <p:nvGrpSpPr>
+        <p:cNvPr id="1" name=""/>
+        <p:cNvGrpSpPr/>
+        <p:nvPr/>
+      </p:nvGrpSpPr>
+      <p:grpSpPr>
+        <a:xfrm>
+          <a:off x="0" y="0"/>
+          <a:ext cx="0" cy="0"/>
+          <a:chOff x="0" y="0"/>
+          <a:chExt cx="0" cy="0"/>
+        </a:xfrm>
+      </p:grpSpPr>
+      <p:sp>
+        <p:nvSpPr>
+          <p:cNvPr id="2" name="Folienbildplatzhalter 1"/>
+          <p:cNvSpPr>
+            <a:spLocks noGrp="1" noRot="1" noChangeAspect="1"/>
+          </p:cNvSpPr>
+          <p:nvPr>
+            <p:ph type="sldImg"/>
+          </p:nvPr>
+        </p:nvSpPr>
+        <p:spPr/>
+      </p:sp>
+      <p:sp>
+        <p:nvSpPr>
+          <p:cNvPr id="3" name="Notizenplatzhalter 2"/>
+          <p:cNvSpPr>
+            <a:spLocks noGrp="1"/>
+          </p:cNvSpPr>
+          <p:nvPr>
+            <p:ph type="body" idx="1"/>
+          </p:nvPr>
+        </p:nvSpPr>
+        <p:spPr/>
+        <p:txBody>
+          <a:bodyPr/>
+          <a:lstStyle/>
+          <a:p>
+            <a:r>
+              <a:rPr lang="de-DE" dirty="0" smtClean="0"/>
+              <a:t>Firefox -&gt; Lesezeichenverwaltung</a:t>
+            </a:r>
+            <a:endParaRPr lang="de-DE" dirty="0"/>
+          </a:p>
+        </p:txBody>
+      </p:sp>
+      <p:sp>
+        <p:nvSpPr>
+          <p:cNvPr id="4" name="Foliennummernplatzhalter 3"/>
+          <p:cNvSpPr>
+            <a:spLocks noGrp="1"/>
+          </p:cNvSpPr>
+          <p:nvPr>
+            <p:ph type="sldNum" sz="quarter" idx="10"/>
+          </p:nvPr>
+        </p:nvSpPr>
+        <p:spPr/>
+        <p:txBody>
+          <a:bodyPr/>
+          <a:lstStyle/>
+          <a:p>
+            <a:fld id="{890D2026-B054-4C01-8473-47B83C1FFE3E}" type="slidenum">
+              <a:rPr lang="de-DE" smtClean="0"/>
+              <a:pPr/>
+              <a:t>25</a:t>
+            </a:fld>
+            <a:endParaRPr lang="de-DE"/>
+          </a:p>
+        </p:txBody>
+      </p:sp>
+    </p:spTree>
+    <p:extLst>
+      <p:ext uri="{BB962C8B-B14F-4D97-AF65-F5344CB8AC3E}">
+        <p14:creationId xmlns:p14="http://schemas.microsoft.com/office/powerpoint/2010/main" val="936627055"/>
+      </p:ext>
+    </p:extLst>
+  </p:cSld>
+  <p:clrMapOvr>
+    <a:masterClrMapping/>
+  </p:clrMapOvr>
+</p:notes>
+</file>
+
+<file path=ppt/notesSlides/notesSlide5.xml><?xml version="1.0" encoding="utf-8"?>
+<p:notes xmlns:a="http://schemas.openxmlformats.org/drawingml/2006/main" xmlns:r="http://schemas.openxmlformats.org/officeDocument/2006/relationships" xmlns:p="http://schemas.openxmlformats.org/presentationml/2006/main">
+  <p:cSld>
+    <p:spTree>
+      <p:nvGrpSpPr>
+        <p:cNvPr id="1" name=""/>
+        <p:cNvGrpSpPr/>
+        <p:nvPr/>
+      </p:nvGrpSpPr>
+      <p:grpSpPr>
+        <a:xfrm>
+          <a:off x="0" y="0"/>
+          <a:ext cx="0" cy="0"/>
+          <a:chOff x="0" y="0"/>
+          <a:chExt cx="0" cy="0"/>
+        </a:xfrm>
+      </p:grpSpPr>
+      <p:sp>
+        <p:nvSpPr>
+          <p:cNvPr id="2" name="Folienbildplatzhalter 1"/>
+          <p:cNvSpPr>
+            <a:spLocks noGrp="1" noRot="1" noChangeAspect="1"/>
+          </p:cNvSpPr>
+          <p:nvPr>
+            <p:ph type="sldImg"/>
+          </p:nvPr>
+        </p:nvSpPr>
+        <p:spPr/>
+      </p:sp>
+      <p:sp>
+        <p:nvSpPr>
+          <p:cNvPr id="3" name="Notizenplatzhalter 2"/>
+          <p:cNvSpPr>
+            <a:spLocks noGrp="1"/>
+          </p:cNvSpPr>
+          <p:nvPr>
+            <p:ph type="body" idx="1"/>
+          </p:nvPr>
+        </p:nvSpPr>
+        <p:spPr/>
+        <p:txBody>
+          <a:bodyPr/>
+          <a:lstStyle/>
+          <a:p>
+            <a:r>
+              <a:rPr lang="de-DE" dirty="0" smtClean="0"/>
+              <a:t>SQL Datenbanken verhalten sich weniger wie</a:t>
+            </a:r>
+            <a:r>
+              <a:rPr lang="de-DE" baseline="0" dirty="0" smtClean="0"/>
+              <a:t> Listen von Objekten, umso mehr es um Größe und Performance geht; Listen von Objekten verhalten sich weniger als Tabellen und Zeilen, ja mehr es um Abstraktion geht.</a:t>
+            </a:r>
+          </a:p>
+          <a:p>
+            <a:r>
+              <a:rPr lang="de-DE" baseline="0" dirty="0" smtClean="0"/>
+              <a:t>-&gt; </a:t>
+            </a:r>
+            <a:r>
+              <a:rPr lang="de-DE" baseline="0" dirty="0" err="1" smtClean="0"/>
+              <a:t>SQLAlchemy</a:t>
+            </a:r>
+            <a:r>
+              <a:rPr lang="de-DE" baseline="0" dirty="0" smtClean="0"/>
+              <a:t> zielt auf beide Prinzipien hin.</a:t>
+            </a:r>
+            <a:endParaRPr lang="de-DE" dirty="0"/>
+          </a:p>
+        </p:txBody>
+      </p:sp>
+      <p:sp>
+        <p:nvSpPr>
+          <p:cNvPr id="4" name="Foliennummernplatzhalter 3"/>
+          <p:cNvSpPr>
+            <a:spLocks noGrp="1"/>
+          </p:cNvSpPr>
+          <p:nvPr>
+            <p:ph type="sldNum" sz="quarter" idx="10"/>
+          </p:nvPr>
+        </p:nvSpPr>
+        <p:spPr/>
+        <p:txBody>
+          <a:bodyPr/>
+          <a:lstStyle/>
+          <a:p>
+            <a:fld id="{890D2026-B054-4C01-8473-47B83C1FFE3E}" type="slidenum">
+              <a:rPr lang="de-DE" smtClean="0"/>
+              <a:pPr/>
+              <a:t>26</a:t>
+            </a:fld>
+            <a:endParaRPr lang="de-DE"/>
+          </a:p>
+        </p:txBody>
+      </p:sp>
+    </p:spTree>
+    <p:extLst>
+      <p:ext uri="{BB962C8B-B14F-4D97-AF65-F5344CB8AC3E}">
+        <p14:creationId xmlns:p14="http://schemas.microsoft.com/office/powerpoint/2010/main" val="2605254399"/>
+      </p:ext>
+    </p:extLst>
+  </p:cSld>
+  <p:clrMapOvr>
+    <a:masterClrMapping/>
+  </p:clrMapOvr>
+</p:notes>
+</file>
+
+<file path=ppt/notesSlides/notesSlide6.xml><?xml version="1.0" encoding="utf-8"?>
+<p:notes xmlns:a="http://schemas.openxmlformats.org/drawingml/2006/main" xmlns:r="http://schemas.openxmlformats.org/officeDocument/2006/relationships" xmlns:p="http://schemas.openxmlformats.org/presentationml/2006/main">
+  <p:cSld>
+    <p:spTree>
+      <p:nvGrpSpPr>
+        <p:cNvPr id="1" name=""/>
+        <p:cNvGrpSpPr/>
+        <p:nvPr/>
+      </p:nvGrpSpPr>
+      <p:grpSpPr>
+        <a:xfrm>
+          <a:off x="0" y="0"/>
+          <a:ext cx="0" cy="0"/>
+          <a:chOff x="0" y="0"/>
+          <a:chExt cx="0" cy="0"/>
+        </a:xfrm>
+      </p:grpSpPr>
+      <p:sp>
+        <p:nvSpPr>
+          <p:cNvPr id="2" name="Folienbildplatzhalter 1"/>
+          <p:cNvSpPr>
+            <a:spLocks noGrp="1" noRot="1" noChangeAspect="1"/>
+          </p:cNvSpPr>
+          <p:nvPr>
+            <p:ph type="sldImg"/>
+          </p:nvPr>
+        </p:nvSpPr>
+        <p:spPr/>
+      </p:sp>
+      <p:sp>
+        <p:nvSpPr>
+          <p:cNvPr id="3" name="Notizenplatzhalter 2"/>
+          <p:cNvSpPr>
+            <a:spLocks noGrp="1"/>
+          </p:cNvSpPr>
+          <p:nvPr>
+            <p:ph type="body" idx="1"/>
+          </p:nvPr>
+        </p:nvSpPr>
+        <p:spPr/>
+        <p:txBody>
+          <a:bodyPr/>
+          <a:lstStyle/>
+          <a:p>
+            <a:r>
+              <a:rPr lang="de-DE" dirty="0" smtClean="0"/>
               <a:t>SAP-Hana</a:t>
             </a:r>
             <a:endParaRPr lang="de-DE" dirty="0"/>
@@ -996,7 +1275,7 @@
 </p:notes>
 </file>
 
-<file path=ppt/notesSlides/notesSlide4.xml><?xml version="1.0" encoding="utf-8"?>
+<file path=ppt/notesSlides/notesSlide7.xml><?xml version="1.0" encoding="utf-8"?>
 <p:notes xmlns:a="http://schemas.openxmlformats.org/drawingml/2006/main" xmlns:r="http://schemas.openxmlformats.org/officeDocument/2006/relationships" xmlns:p="http://schemas.openxmlformats.org/presentationml/2006/main">
   <p:cSld>
     <p:spTree>
@@ -7122,6 +7401,13 @@
       </p:transition>
     </mc:Fallback>
   </mc:AlternateContent>
+  <p:timing>
+    <p:tnLst>
+      <p:par>
+        <p:cTn xmlns:p14="http://schemas.microsoft.com/office/powerpoint/2010/main" id="1" dur="indefinite" restart="never" nodeType="tmRoot"/>
+      </p:par>
+    </p:tnLst>
+  </p:timing>
 </p:sld>
 </file>
 
@@ -7151,7 +7437,7 @@
           <p:nvPr/>
         </p:nvPicPr>
         <p:blipFill>
-          <a:blip r:embed="rId2">
+          <a:blip r:embed="rId3">
             <a:extLst>
               <a:ext uri="{28A0092B-C50C-407E-A947-70E740481C1C}">
                 <a14:useLocalDpi xmlns:a14="http://schemas.microsoft.com/office/drawing/2010/main" val="0"/>
@@ -7601,6 +7887,112 @@
       </p:sp>
       <p:pic>
         <p:nvPicPr>
+          <p:cNvPr id="5" name="Bild 4" descr="download.png"/>
+          <p:cNvPicPr>
+            <a:picLocks noChangeAspect="1"/>
+          </p:cNvPicPr>
+          <p:nvPr/>
+        </p:nvPicPr>
+        <p:blipFill>
+          <a:blip r:embed="rId2">
+            <a:extLst>
+              <a:ext uri="{28A0092B-C50C-407E-A947-70E740481C1C}">
+                <a14:useLocalDpi xmlns:a14="http://schemas.microsoft.com/office/drawing/2010/main" val="0"/>
+              </a:ext>
+            </a:extLst>
+          </a:blip>
+          <a:stretch>
+            <a:fillRect/>
+          </a:stretch>
+        </p:blipFill>
+        <p:spPr>
+          <a:xfrm>
+            <a:off x="1475656" y="1124744"/>
+            <a:ext cx="5803900" cy="4775200"/>
+          </a:xfrm>
+          <a:prstGeom prst="rect">
+            <a:avLst/>
+          </a:prstGeom>
+        </p:spPr>
+      </p:pic>
+    </p:spTree>
+    <p:extLst>
+      <p:ext uri="{BB962C8B-B14F-4D97-AF65-F5344CB8AC3E}">
+        <p14:creationId xmlns:p14="http://schemas.microsoft.com/office/powerpoint/2010/main" val="2063320573"/>
+      </p:ext>
+    </p:extLst>
+  </p:cSld>
+  <p:clrMapOvr>
+    <a:masterClrMapping/>
+  </p:clrMapOvr>
+  <mc:AlternateContent xmlns:mc="http://schemas.openxmlformats.org/markup-compatibility/2006" xmlns:p14="http://schemas.microsoft.com/office/powerpoint/2010/main">
+    <mc:Choice Requires="p14">
+      <p:transition spd="med" p14:dur="700">
+        <p:fade/>
+      </p:transition>
+    </mc:Choice>
+    <mc:Fallback xmlns="">
+      <p:transition xmlns:p14="http://schemas.microsoft.com/office/powerpoint/2010/main" spd="med">
+        <p:fade/>
+      </p:transition>
+    </mc:Fallback>
+  </mc:AlternateContent>
+  <p:timing>
+    <p:tnLst>
+      <p:par>
+        <p:cTn xmlns:p14="http://schemas.microsoft.com/office/powerpoint/2010/main" id="1" dur="indefinite" restart="never" nodeType="tmRoot"/>
+      </p:par>
+    </p:tnLst>
+  </p:timing>
+</p:sld>
+</file>
+
+<file path=ppt/slides/slide19.xml><?xml version="1.0" encoding="utf-8"?>
+<p:sld xmlns:a="http://schemas.openxmlformats.org/drawingml/2006/main" xmlns:r="http://schemas.openxmlformats.org/officeDocument/2006/relationships" xmlns:p="http://schemas.openxmlformats.org/presentationml/2006/main">
+  <p:cSld>
+    <p:spTree>
+      <p:nvGrpSpPr>
+        <p:cNvPr id="1" name=""/>
+        <p:cNvGrpSpPr/>
+        <p:nvPr/>
+      </p:nvGrpSpPr>
+      <p:grpSpPr>
+        <a:xfrm>
+          <a:off x="0" y="0"/>
+          <a:ext cx="0" cy="0"/>
+          <a:chOff x="0" y="0"/>
+          <a:chExt cx="0" cy="0"/>
+        </a:xfrm>
+      </p:grpSpPr>
+      <p:sp>
+        <p:nvSpPr>
+          <p:cNvPr id="2" name="Titel 1"/>
+          <p:cNvSpPr>
+            <a:spLocks noGrp="1"/>
+          </p:cNvSpPr>
+          <p:nvPr>
+            <p:ph type="title"/>
+          </p:nvPr>
+        </p:nvSpPr>
+        <p:spPr/>
+        <p:txBody>
+          <a:bodyPr/>
+          <a:lstStyle/>
+          <a:p>
+            <a:r>
+              <a:rPr lang="de-DE" dirty="0" smtClean="0"/>
+              <a:t>JavaScript – </a:t>
+            </a:r>
+            <a:r>
+              <a:rPr lang="de-DE" dirty="0" err="1" smtClean="0"/>
+              <a:t>Sequelize</a:t>
+            </a:r>
+            <a:endParaRPr lang="de-DE" dirty="0"/>
+          </a:p>
+        </p:txBody>
+      </p:sp>
+      <p:pic>
+        <p:nvPicPr>
           <p:cNvPr id="3" name="Bild 2" descr="104110.png"/>
           <p:cNvPicPr>
             <a:picLocks noChangeAspect="1"/>
@@ -7661,7 +8053,194 @@
 </p:sld>
 </file>
 
-<file path=ppt/slides/slide19.xml><?xml version="1.0" encoding="utf-8"?>
+<file path=ppt/slides/slide2.xml><?xml version="1.0" encoding="utf-8"?>
+<p:sld xmlns:a="http://schemas.openxmlformats.org/drawingml/2006/main" xmlns:r="http://schemas.openxmlformats.org/officeDocument/2006/relationships" xmlns:p="http://schemas.openxmlformats.org/presentationml/2006/main">
+  <p:cSld>
+    <p:spTree>
+      <p:nvGrpSpPr>
+        <p:cNvPr id="1" name=""/>
+        <p:cNvGrpSpPr/>
+        <p:nvPr/>
+      </p:nvGrpSpPr>
+      <p:grpSpPr>
+        <a:xfrm>
+          <a:off x="0" y="0"/>
+          <a:ext cx="0" cy="0"/>
+          <a:chOff x="0" y="0"/>
+          <a:chExt cx="0" cy="0"/>
+        </a:xfrm>
+      </p:grpSpPr>
+      <p:sp>
+        <p:nvSpPr>
+          <p:cNvPr id="2" name="Titel 1"/>
+          <p:cNvSpPr>
+            <a:spLocks noGrp="1"/>
+          </p:cNvSpPr>
+          <p:nvPr>
+            <p:ph type="title"/>
+          </p:nvPr>
+        </p:nvSpPr>
+        <p:spPr/>
+        <p:txBody>
+          <a:bodyPr/>
+          <a:lstStyle/>
+          <a:p>
+            <a:r>
+              <a:rPr lang="de-DE" dirty="0" smtClean="0"/>
+              <a:t>Agenda</a:t>
+            </a:r>
+            <a:endParaRPr lang="de-DE" dirty="0"/>
+          </a:p>
+        </p:txBody>
+      </p:sp>
+      <p:sp>
+        <p:nvSpPr>
+          <p:cNvPr id="3" name="Inhaltsplatzhalter 2"/>
+          <p:cNvSpPr>
+            <a:spLocks noGrp="1"/>
+          </p:cNvSpPr>
+          <p:nvPr>
+            <p:ph sz="quarter" idx="14"/>
+          </p:nvPr>
+        </p:nvSpPr>
+        <p:spPr/>
+        <p:txBody>
+          <a:bodyPr>
+            <a:normAutofit/>
+          </a:bodyPr>
+          <a:lstStyle/>
+          <a:p>
+            <a:pPr marL="745200" lvl="1" indent="-457200">
+              <a:lnSpc>
+                <a:spcPct val="150000"/>
+              </a:lnSpc>
+              <a:buFont typeface="+mj-lt"/>
+              <a:buAutoNum type="arabicPeriod"/>
+            </a:pPr>
+            <a:r>
+              <a:rPr lang="de-DE" dirty="0" smtClean="0"/>
+              <a:t>Hintergrund und Problemstellung</a:t>
+            </a:r>
+          </a:p>
+          <a:p>
+            <a:pPr marL="745200" lvl="1" indent="-457200">
+              <a:lnSpc>
+                <a:spcPct val="150000"/>
+              </a:lnSpc>
+              <a:buFont typeface="+mj-lt"/>
+              <a:buAutoNum type="arabicPeriod"/>
+            </a:pPr>
+            <a:r>
+              <a:rPr lang="de-DE" dirty="0" smtClean="0"/>
+              <a:t>Lösungsansätze</a:t>
+            </a:r>
+          </a:p>
+          <a:p>
+            <a:pPr marL="745200" lvl="1" indent="-457200">
+              <a:lnSpc>
+                <a:spcPct val="150000"/>
+              </a:lnSpc>
+              <a:buFont typeface="+mj-lt"/>
+              <a:buAutoNum type="arabicPeriod"/>
+            </a:pPr>
+            <a:r>
+              <a:rPr lang="de-DE" dirty="0" smtClean="0"/>
+              <a:t>JavaScript </a:t>
+            </a:r>
+            <a:r>
+              <a:rPr lang="de-DE" dirty="0" smtClean="0"/>
+              <a:t>– </a:t>
+            </a:r>
+            <a:r>
+              <a:rPr lang="de-DE" dirty="0" err="1" smtClean="0"/>
+              <a:t>Sequelize</a:t>
+            </a:r>
+            <a:endParaRPr lang="de-DE" dirty="0"/>
+          </a:p>
+          <a:p>
+            <a:pPr marL="745200" lvl="1" indent="-457200">
+              <a:lnSpc>
+                <a:spcPct val="150000"/>
+              </a:lnSpc>
+              <a:buFont typeface="+mj-lt"/>
+              <a:buAutoNum type="arabicPeriod"/>
+            </a:pPr>
+            <a:r>
+              <a:rPr lang="de-DE" dirty="0" smtClean="0"/>
+              <a:t>Python – </a:t>
+            </a:r>
+            <a:r>
+              <a:rPr lang="de-DE" dirty="0" err="1" smtClean="0"/>
+              <a:t>SQLAlchemy</a:t>
+            </a:r>
+            <a:endParaRPr lang="de-DE" dirty="0"/>
+          </a:p>
+          <a:p>
+            <a:pPr marL="745200" lvl="1" indent="-457200">
+              <a:lnSpc>
+                <a:spcPct val="150000"/>
+              </a:lnSpc>
+              <a:buFont typeface="+mj-lt"/>
+              <a:buAutoNum type="arabicPeriod"/>
+            </a:pPr>
+            <a:r>
+              <a:rPr lang="de-DE" dirty="0" smtClean="0"/>
+              <a:t>Java – </a:t>
+            </a:r>
+            <a:r>
+              <a:rPr lang="de-DE" dirty="0" err="1" smtClean="0"/>
+              <a:t>Hibernate</a:t>
+            </a:r>
+            <a:endParaRPr lang="de-DE" dirty="0" smtClean="0"/>
+          </a:p>
+          <a:p>
+            <a:pPr marL="745200" lvl="1" indent="-457200">
+              <a:lnSpc>
+                <a:spcPct val="150000"/>
+              </a:lnSpc>
+              <a:buFont typeface="+mj-lt"/>
+              <a:buAutoNum type="arabicPeriod"/>
+            </a:pPr>
+            <a:r>
+              <a:rPr lang="de-DE" dirty="0" smtClean="0"/>
+              <a:t>Demo</a:t>
+            </a:r>
+          </a:p>
+        </p:txBody>
+      </p:sp>
+    </p:spTree>
+    <p:extLst>
+      <p:ext uri="{BB962C8B-B14F-4D97-AF65-F5344CB8AC3E}">
+        <p14:creationId xmlns:p14="http://schemas.microsoft.com/office/powerpoint/2010/main" val="796015667"/>
+      </p:ext>
+    </p:extLst>
+  </p:cSld>
+  <p:clrMapOvr>
+    <a:masterClrMapping/>
+  </p:clrMapOvr>
+  <mc:AlternateContent xmlns:mc="http://schemas.openxmlformats.org/markup-compatibility/2006" xmlns:p14="http://schemas.microsoft.com/office/powerpoint/2010/main">
+    <mc:Choice Requires="p14">
+      <p:transition spd="med" p14:dur="700">
+        <p:fade/>
+      </p:transition>
+    </mc:Choice>
+    <mc:Fallback xmlns="">
+      <p:transition xmlns:p14="http://schemas.microsoft.com/office/powerpoint/2010/main" spd="med">
+        <p:fade/>
+      </p:transition>
+    </mc:Fallback>
+  </mc:AlternateContent>
+  <p:timing>
+    <p:tnLst>
+      <p:par>
+        <p:cTn xmlns:p14="http://schemas.microsoft.com/office/powerpoint/2010/main" id="1" dur="indefinite" restart="never" nodeType="tmRoot"/>
+      </p:par>
+    </p:tnLst>
+  </p:timing>
+</p:sld>
+</file>
+
+<file path=ppt/slides/slide20.xml><?xml version="1.0" encoding="utf-8"?>
 <p:sld xmlns:a="http://schemas.openxmlformats.org/drawingml/2006/main" xmlns:r="http://schemas.openxmlformats.org/officeDocument/2006/relationships" xmlns:p="http://schemas.openxmlformats.org/presentationml/2006/main">
   <p:cSld>
     <p:spTree>
@@ -7767,203 +8346,7 @@
 </p:sld>
 </file>
 
-<file path=ppt/slides/slide2.xml><?xml version="1.0" encoding="utf-8"?>
-<p:sld xmlns:a="http://schemas.openxmlformats.org/drawingml/2006/main" xmlns:r="http://schemas.openxmlformats.org/officeDocument/2006/relationships" xmlns:p="http://schemas.openxmlformats.org/presentationml/2006/main">
-  <p:cSld>
-    <p:spTree>
-      <p:nvGrpSpPr>
-        <p:cNvPr id="1" name=""/>
-        <p:cNvGrpSpPr/>
-        <p:nvPr/>
-      </p:nvGrpSpPr>
-      <p:grpSpPr>
-        <a:xfrm>
-          <a:off x="0" y="0"/>
-          <a:ext cx="0" cy="0"/>
-          <a:chOff x="0" y="0"/>
-          <a:chExt cx="0" cy="0"/>
-        </a:xfrm>
-      </p:grpSpPr>
-      <p:sp>
-        <p:nvSpPr>
-          <p:cNvPr id="2" name="Titel 1"/>
-          <p:cNvSpPr>
-            <a:spLocks noGrp="1"/>
-          </p:cNvSpPr>
-          <p:nvPr>
-            <p:ph type="title"/>
-          </p:nvPr>
-        </p:nvSpPr>
-        <p:spPr/>
-        <p:txBody>
-          <a:bodyPr/>
-          <a:lstStyle/>
-          <a:p>
-            <a:r>
-              <a:rPr lang="de-DE" dirty="0" smtClean="0"/>
-              <a:t>Agenda</a:t>
-            </a:r>
-            <a:endParaRPr lang="de-DE" dirty="0"/>
-          </a:p>
-        </p:txBody>
-      </p:sp>
-      <p:sp>
-        <p:nvSpPr>
-          <p:cNvPr id="3" name="Inhaltsplatzhalter 2"/>
-          <p:cNvSpPr>
-            <a:spLocks noGrp="1"/>
-          </p:cNvSpPr>
-          <p:nvPr>
-            <p:ph sz="quarter" idx="14"/>
-          </p:nvPr>
-        </p:nvSpPr>
-        <p:spPr/>
-        <p:txBody>
-          <a:bodyPr>
-            <a:normAutofit/>
-          </a:bodyPr>
-          <a:lstStyle/>
-          <a:p>
-            <a:pPr marL="745200" lvl="1" indent="-457200">
-              <a:lnSpc>
-                <a:spcPct val="150000"/>
-              </a:lnSpc>
-              <a:buFont typeface="+mj-lt"/>
-              <a:buAutoNum type="arabicPeriod"/>
-            </a:pPr>
-            <a:r>
-              <a:rPr lang="de-DE" dirty="0" smtClean="0"/>
-              <a:t>Hintergrund und Problemstellung</a:t>
-            </a:r>
-          </a:p>
-          <a:p>
-            <a:pPr marL="745200" lvl="1" indent="-457200">
-              <a:lnSpc>
-                <a:spcPct val="150000"/>
-              </a:lnSpc>
-              <a:buFont typeface="+mj-lt"/>
-              <a:buAutoNum type="arabicPeriod"/>
-            </a:pPr>
-            <a:r>
-              <a:rPr lang="de-DE" dirty="0" smtClean="0"/>
-              <a:t>Lösungsansätze</a:t>
-            </a:r>
-          </a:p>
-          <a:p>
-            <a:pPr marL="745200" lvl="1" indent="-457200">
-              <a:lnSpc>
-                <a:spcPct val="150000"/>
-              </a:lnSpc>
-              <a:buFont typeface="+mj-lt"/>
-              <a:buAutoNum type="arabicPeriod"/>
-            </a:pPr>
-            <a:r>
-              <a:rPr lang="de-DE" dirty="0" smtClean="0"/>
-              <a:t>Abstraktes Beispiel</a:t>
-            </a:r>
-          </a:p>
-          <a:p>
-            <a:pPr marL="745200" lvl="1" indent="-457200">
-              <a:lnSpc>
-                <a:spcPct val="150000"/>
-              </a:lnSpc>
-              <a:buFont typeface="+mj-lt"/>
-              <a:buAutoNum type="arabicPeriod"/>
-            </a:pPr>
-            <a:r>
-              <a:rPr lang="de-DE" dirty="0" smtClean="0"/>
-              <a:t>JavaScript – </a:t>
-            </a:r>
-            <a:r>
-              <a:rPr lang="de-DE" dirty="0" err="1" smtClean="0"/>
-              <a:t>Sequelize</a:t>
-            </a:r>
-            <a:endParaRPr lang="de-DE" dirty="0"/>
-          </a:p>
-          <a:p>
-            <a:pPr marL="745200" lvl="1" indent="-457200">
-              <a:lnSpc>
-                <a:spcPct val="150000"/>
-              </a:lnSpc>
-              <a:buFont typeface="+mj-lt"/>
-              <a:buAutoNum type="arabicPeriod"/>
-            </a:pPr>
-            <a:r>
-              <a:rPr lang="de-DE" dirty="0" smtClean="0"/>
-              <a:t>Python – </a:t>
-            </a:r>
-            <a:r>
-              <a:rPr lang="de-DE" dirty="0" err="1" smtClean="0"/>
-              <a:t>SQLAlchemy</a:t>
-            </a:r>
-            <a:endParaRPr lang="de-DE" dirty="0"/>
-          </a:p>
-          <a:p>
-            <a:pPr marL="745200" lvl="1" indent="-457200">
-              <a:lnSpc>
-                <a:spcPct val="150000"/>
-              </a:lnSpc>
-              <a:buFont typeface="+mj-lt"/>
-              <a:buAutoNum type="arabicPeriod"/>
-            </a:pPr>
-            <a:r>
-              <a:rPr lang="de-DE" dirty="0" smtClean="0"/>
-              <a:t>Java – </a:t>
-            </a:r>
-            <a:r>
-              <a:rPr lang="de-DE" dirty="0" err="1" smtClean="0"/>
-              <a:t>Hibernate</a:t>
-            </a:r>
-            <a:endParaRPr lang="de-DE" dirty="0" smtClean="0"/>
-          </a:p>
-          <a:p>
-            <a:pPr marL="745200" lvl="1" indent="-457200">
-              <a:lnSpc>
-                <a:spcPct val="150000"/>
-              </a:lnSpc>
-              <a:buFont typeface="+mj-lt"/>
-              <a:buAutoNum type="arabicPeriod"/>
-            </a:pPr>
-            <a:r>
-              <a:rPr lang="de-DE" dirty="0" smtClean="0"/>
-              <a:t>Demo</a:t>
-            </a:r>
-          </a:p>
-        </p:txBody>
-      </p:sp>
-    </p:spTree>
-    <p:extLst>
-      <p:ext uri="{BB962C8B-B14F-4D97-AF65-F5344CB8AC3E}">
-        <p14:creationId xmlns:p14="http://schemas.microsoft.com/office/powerpoint/2010/main" val="796015667"/>
-      </p:ext>
-    </p:extLst>
-  </p:cSld>
-  <p:clrMapOvr>
-    <a:masterClrMapping/>
-  </p:clrMapOvr>
-  <mc:AlternateContent xmlns:mc="http://schemas.openxmlformats.org/markup-compatibility/2006" xmlns:p14="http://schemas.microsoft.com/office/powerpoint/2010/main">
-    <mc:Choice Requires="p14">
-      <p:transition spd="med" p14:dur="700">
-        <p:fade/>
-      </p:transition>
-    </mc:Choice>
-    <mc:Fallback xmlns="">
-      <p:transition xmlns:p14="http://schemas.microsoft.com/office/powerpoint/2010/main" spd="med">
-        <p:fade/>
-      </p:transition>
-    </mc:Fallback>
-  </mc:AlternateContent>
-  <p:timing>
-    <p:tnLst>
-      <p:par>
-        <p:cTn xmlns:p14="http://schemas.microsoft.com/office/powerpoint/2010/main" id="1" dur="indefinite" restart="never" nodeType="tmRoot"/>
-      </p:par>
-    </p:tnLst>
-  </p:timing>
-</p:sld>
-</file>
-
-<file path=ppt/slides/slide20.xml><?xml version="1.0" encoding="utf-8"?>
+<file path=ppt/slides/slide21.xml><?xml version="1.0" encoding="utf-8"?>
 <p:sld xmlns:a="http://schemas.openxmlformats.org/drawingml/2006/main" xmlns:r="http://schemas.openxmlformats.org/officeDocument/2006/relationships" xmlns:p="http://schemas.openxmlformats.org/presentationml/2006/main">
   <p:cSld>
     <p:spTree>
@@ -8069,7 +8452,7 @@
 </p:sld>
 </file>
 
-<file path=ppt/slides/slide21.xml><?xml version="1.0" encoding="utf-8"?>
+<file path=ppt/slides/slide22.xml><?xml version="1.0" encoding="utf-8"?>
 <p:sld xmlns:a="http://schemas.openxmlformats.org/drawingml/2006/main" xmlns:r="http://schemas.openxmlformats.org/officeDocument/2006/relationships" xmlns:p="http://schemas.openxmlformats.org/presentationml/2006/main">
   <p:cSld>
     <p:spTree>
@@ -8175,112 +8558,6 @@
 </p:sld>
 </file>
 
-<file path=ppt/slides/slide22.xml><?xml version="1.0" encoding="utf-8"?>
-<p:sld xmlns:a="http://schemas.openxmlformats.org/drawingml/2006/main" xmlns:r="http://schemas.openxmlformats.org/officeDocument/2006/relationships" xmlns:p="http://schemas.openxmlformats.org/presentationml/2006/main">
-  <p:cSld>
-    <p:spTree>
-      <p:nvGrpSpPr>
-        <p:cNvPr id="1" name=""/>
-        <p:cNvGrpSpPr/>
-        <p:nvPr/>
-      </p:nvGrpSpPr>
-      <p:grpSpPr>
-        <a:xfrm>
-          <a:off x="0" y="0"/>
-          <a:ext cx="0" cy="0"/>
-          <a:chOff x="0" y="0"/>
-          <a:chExt cx="0" cy="0"/>
-        </a:xfrm>
-      </p:grpSpPr>
-      <p:sp>
-        <p:nvSpPr>
-          <p:cNvPr id="2" name="Titel 1"/>
-          <p:cNvSpPr>
-            <a:spLocks noGrp="1"/>
-          </p:cNvSpPr>
-          <p:nvPr>
-            <p:ph type="title"/>
-          </p:nvPr>
-        </p:nvSpPr>
-        <p:spPr/>
-        <p:txBody>
-          <a:bodyPr/>
-          <a:lstStyle/>
-          <a:p>
-            <a:r>
-              <a:rPr lang="de-DE" dirty="0" smtClean="0"/>
-              <a:t>JavaScript – </a:t>
-            </a:r>
-            <a:r>
-              <a:rPr lang="de-DE" dirty="0" err="1" smtClean="0"/>
-              <a:t>Sequelize</a:t>
-            </a:r>
-            <a:endParaRPr lang="de-DE" dirty="0"/>
-          </a:p>
-        </p:txBody>
-      </p:sp>
-      <p:pic>
-        <p:nvPicPr>
-          <p:cNvPr id="5" name="Bild 4" descr="download.png"/>
-          <p:cNvPicPr>
-            <a:picLocks noChangeAspect="1"/>
-          </p:cNvPicPr>
-          <p:nvPr/>
-        </p:nvPicPr>
-        <p:blipFill>
-          <a:blip r:embed="rId2">
-            <a:extLst>
-              <a:ext uri="{28A0092B-C50C-407E-A947-70E740481C1C}">
-                <a14:useLocalDpi xmlns:a14="http://schemas.microsoft.com/office/drawing/2010/main" val="0"/>
-              </a:ext>
-            </a:extLst>
-          </a:blip>
-          <a:stretch>
-            <a:fillRect/>
-          </a:stretch>
-        </p:blipFill>
-        <p:spPr>
-          <a:xfrm>
-            <a:off x="1475656" y="1124744"/>
-            <a:ext cx="5803900" cy="4775200"/>
-          </a:xfrm>
-          <a:prstGeom prst="rect">
-            <a:avLst/>
-          </a:prstGeom>
-        </p:spPr>
-      </p:pic>
-    </p:spTree>
-    <p:extLst>
-      <p:ext uri="{BB962C8B-B14F-4D97-AF65-F5344CB8AC3E}">
-        <p14:creationId xmlns:p14="http://schemas.microsoft.com/office/powerpoint/2010/main" val="2063320573"/>
-      </p:ext>
-    </p:extLst>
-  </p:cSld>
-  <p:clrMapOvr>
-    <a:masterClrMapping/>
-  </p:clrMapOvr>
-  <mc:AlternateContent xmlns:mc="http://schemas.openxmlformats.org/markup-compatibility/2006" xmlns:p14="http://schemas.microsoft.com/office/powerpoint/2010/main">
-    <mc:Choice Requires="p14">
-      <p:transition spd="med" p14:dur="700">
-        <p:fade/>
-      </p:transition>
-    </mc:Choice>
-    <mc:Fallback xmlns="">
-      <p:transition xmlns:p14="http://schemas.microsoft.com/office/powerpoint/2010/main" spd="med">
-        <p:fade/>
-      </p:transition>
-    </mc:Fallback>
-  </mc:AlternateContent>
-  <p:timing>
-    <p:tnLst>
-      <p:par>
-        <p:cTn xmlns:p14="http://schemas.microsoft.com/office/powerpoint/2010/main" id="1" dur="indefinite" restart="never" nodeType="tmRoot"/>
-      </p:par>
-    </p:tnLst>
-  </p:timing>
-</p:sld>
-</file>
-
 <file path=ppt/slides/slide23.xml><?xml version="1.0" encoding="utf-8"?>
 <p:sld xmlns:a="http://schemas.openxmlformats.org/drawingml/2006/main" xmlns:r="http://schemas.openxmlformats.org/officeDocument/2006/relationships" xmlns:p="http://schemas.openxmlformats.org/presentationml/2006/main">
   <p:cSld>
@@ -9464,6 +9741,13 @@
     <a:masterClrMapping/>
   </p:clrMapOvr>
   <p:transition xmlns:p14="http://schemas.microsoft.com/office/powerpoint/2010/main" spd="med"/>
+  <p:timing>
+    <p:tnLst>
+      <p:par>
+        <p:cTn xmlns:p14="http://schemas.microsoft.com/office/powerpoint/2010/main" id="1" dur="indefinite" restart="never" nodeType="tmRoot"/>
+      </p:par>
+    </p:tnLst>
+  </p:timing>
 </p:sld>
 </file>
 
@@ -13673,7 +13957,141 @@
   <p:timing>
     <p:tnLst>
       <p:par>
-        <p:cTn xmlns:p14="http://schemas.microsoft.com/office/powerpoint/2010/main" id="1" dur="indefinite" restart="never" nodeType="tmRoot"/>
+        <p:cTn xmlns:p14="http://schemas.microsoft.com/office/powerpoint/2010/main" id="1" dur="indefinite" restart="never" nodeType="tmRoot">
+          <p:childTnLst>
+            <p:seq concurrent="1" nextAc="seek">
+              <p:cTn id="2" dur="indefinite" nodeType="mainSeq">
+                <p:childTnLst>
+                  <p:par>
+                    <p:cTn id="3" fill="hold">
+                      <p:stCondLst>
+                        <p:cond delay="indefinite"/>
+                      </p:stCondLst>
+                      <p:childTnLst>
+                        <p:par>
+                          <p:cTn id="4" fill="hold">
+                            <p:stCondLst>
+                              <p:cond delay="0"/>
+                            </p:stCondLst>
+                            <p:childTnLst>
+                              <p:par>
+                                <p:cTn id="5" presetID="1" presetClass="entr" presetSubtype="0" fill="hold" nodeType="clickEffect">
+                                  <p:stCondLst>
+                                    <p:cond delay="0"/>
+                                  </p:stCondLst>
+                                  <p:childTnLst>
+                                    <p:set>
+                                      <p:cBhvr>
+                                        <p:cTn id="6" dur="1" fill="hold">
+                                          <p:stCondLst>
+                                            <p:cond delay="0"/>
+                                          </p:stCondLst>
+                                        </p:cTn>
+                                        <p:tgtEl>
+                                          <p:spTgt spid="3">
+                                            <p:txEl>
+                                              <p:pRg st="7" end="7"/>
+                                            </p:txEl>
+                                          </p:spTgt>
+                                        </p:tgtEl>
+                                        <p:attrNameLst>
+                                          <p:attrName>style.visibility</p:attrName>
+                                        </p:attrNameLst>
+                                      </p:cBhvr>
+                                      <p:to>
+                                        <p:strVal val="visible"/>
+                                      </p:to>
+                                    </p:set>
+                                  </p:childTnLst>
+                                </p:cTn>
+                              </p:par>
+                              <p:par>
+                                <p:cTn id="7" presetID="1" presetClass="entr" presetSubtype="0" fill="hold" nodeType="withEffect">
+                                  <p:stCondLst>
+                                    <p:cond delay="0"/>
+                                  </p:stCondLst>
+                                  <p:childTnLst>
+                                    <p:set>
+                                      <p:cBhvr>
+                                        <p:cTn id="8" dur="1" fill="hold">
+                                          <p:stCondLst>
+                                            <p:cond delay="0"/>
+                                          </p:stCondLst>
+                                        </p:cTn>
+                                        <p:tgtEl>
+                                          <p:spTgt spid="3">
+                                            <p:txEl>
+                                              <p:pRg st="8" end="8"/>
+                                            </p:txEl>
+                                          </p:spTgt>
+                                        </p:tgtEl>
+                                        <p:attrNameLst>
+                                          <p:attrName>style.visibility</p:attrName>
+                                        </p:attrNameLst>
+                                      </p:cBhvr>
+                                      <p:to>
+                                        <p:strVal val="visible"/>
+                                      </p:to>
+                                    </p:set>
+                                  </p:childTnLst>
+                                </p:cTn>
+                              </p:par>
+                              <p:par>
+                                <p:cTn id="9" presetID="1" presetClass="entr" presetSubtype="0" fill="hold" nodeType="withEffect">
+                                  <p:stCondLst>
+                                    <p:cond delay="0"/>
+                                  </p:stCondLst>
+                                  <p:childTnLst>
+                                    <p:set>
+                                      <p:cBhvr>
+                                        <p:cTn id="10" dur="1" fill="hold">
+                                          <p:stCondLst>
+                                            <p:cond delay="0"/>
+                                          </p:stCondLst>
+                                        </p:cTn>
+                                        <p:tgtEl>
+                                          <p:spTgt spid="3">
+                                            <p:txEl>
+                                              <p:pRg st="9" end="9"/>
+                                            </p:txEl>
+                                          </p:spTgt>
+                                        </p:tgtEl>
+                                        <p:attrNameLst>
+                                          <p:attrName>style.visibility</p:attrName>
+                                        </p:attrNameLst>
+                                      </p:cBhvr>
+                                      <p:to>
+                                        <p:strVal val="visible"/>
+                                      </p:to>
+                                    </p:set>
+                                  </p:childTnLst>
+                                </p:cTn>
+                              </p:par>
+                            </p:childTnLst>
+                          </p:cTn>
+                        </p:par>
+                      </p:childTnLst>
+                    </p:cTn>
+                  </p:par>
+                </p:childTnLst>
+              </p:cTn>
+              <p:prevCondLst>
+                <p:cond evt="onPrev" delay="0">
+                  <p:tgtEl>
+                    <p:sldTgt/>
+                  </p:tgtEl>
+                </p:cond>
+              </p:prevCondLst>
+              <p:nextCondLst>
+                <p:cond evt="onNext" delay="0">
+                  <p:tgtEl>
+                    <p:sldTgt/>
+                  </p:tgtEl>
+                </p:cond>
+              </p:nextCondLst>
+            </p:seq>
+          </p:childTnLst>
+        </p:cTn>
       </p:par>
     </p:tnLst>
   </p:timing>
@@ -14847,7 +15265,7 @@
   <a:extraClrSchemeLst/>
   <a:extLst>
     <a:ext uri="{05A4C25C-085E-4340-85A3-A5531E510DB2}">
-      <thm15:themeFamily xmlns:thm15="http://schemas.microsoft.com/office/thememl/2012/main" xmlns="" name="Vorlage_PPT_DBII_WS1516" id="{8889CFA3-511D-44BA-B8E4-6359DC5973FA}" vid="{3380A368-0C4C-426B-99C5-9B86D4C146E3}"/>
+      <thm15:themeFamily xmlns="" xmlns:thm15="http://schemas.microsoft.com/office/thememl/2012/main" name="Vorlage_PPT_DBII_WS1516" id="{8889CFA3-511D-44BA-B8E4-6359DC5973FA}" vid="{3380A368-0C4C-426B-99C5-9B86D4C146E3}"/>
     </a:ext>
   </a:extLst>
 </a:theme>
@@ -15154,7 +15572,7 @@
   <a:extraClrSchemeLst/>
   <a:extLst>
     <a:ext uri="{05A4C25C-085E-4340-85A3-A5531E510DB2}">
-      <thm15:themeFamily xmlns:thm15="http://schemas.microsoft.com/office/thememl/2012/main" xmlns="" name="Vorlage_PPT_DBII_WS1516" id="{8889CFA3-511D-44BA-B8E4-6359DC5973FA}" vid="{5EDD827A-5DD7-472A-A25C-12AF0E7D5EAB}"/>
+      <thm15:themeFamily xmlns="" xmlns:thm15="http://schemas.microsoft.com/office/thememl/2012/main" name="Vorlage_PPT_DBII_WS1516" id="{8889CFA3-511D-44BA-B8E4-6359DC5973FA}" vid="{5EDD827A-5DD7-472A-A25C-12AF0E7D5EAB}"/>
     </a:ext>
   </a:extLst>
 </a:theme>
@@ -15461,7 +15879,7 @@
   <a:extraClrSchemeLst/>
   <a:extLst>
     <a:ext uri="{05A4C25C-085E-4340-85A3-A5531E510DB2}">
-      <thm15:themeFamily xmlns:thm15="http://schemas.microsoft.com/office/thememl/2012/main" xmlns="" name="Vorlage_PPT_DBII_WS1516" id="{8889CFA3-511D-44BA-B8E4-6359DC5973FA}" vid="{1C8B2368-D9AF-4BD7-8875-62919156674C}"/>
+      <thm15:themeFamily xmlns="" xmlns:thm15="http://schemas.microsoft.com/office/thememl/2012/main" name="Vorlage_PPT_DBII_WS1516" id="{8889CFA3-511D-44BA-B8E4-6359DC5973FA}" vid="{1C8B2368-D9AF-4BD7-8875-62919156674C}"/>
     </a:ext>
   </a:extLst>
 </a:theme>
